--- a/Python&appscript/2/variable operator&if&while.pptx
+++ b/Python&appscript/2/variable operator&if&while.pptx
@@ -5,7 +5,7 @@
     <p:sldMasterId id="2147483685" r:id="rId1"/>
   </p:sldMasterIdLst>
   <p:notesMasterIdLst>
-    <p:notesMasterId r:id="rId36"/>
+    <p:notesMasterId r:id="rId39"/>
   </p:notesMasterIdLst>
   <p:sldIdLst>
     <p:sldId id="256" r:id="rId2"/>
@@ -42,21 +42,24 @@
     <p:sldId id="351" r:id="rId33"/>
     <p:sldId id="354" r:id="rId34"/>
     <p:sldId id="355" r:id="rId35"/>
+    <p:sldId id="363" r:id="rId36"/>
+    <p:sldId id="364" r:id="rId37"/>
+    <p:sldId id="365" r:id="rId38"/>
   </p:sldIdLst>
   <p:sldSz cx="9144000" cy="5143500" type="screen16x9"/>
   <p:notesSz cx="6858000" cy="9144000"/>
   <p:embeddedFontLst>
     <p:embeddedFont>
       <p:font typeface="Play" panose="020B0600000101010101" charset="0"/>
-      <p:regular r:id="rId37"/>
-      <p:bold r:id="rId38"/>
+      <p:regular r:id="rId40"/>
+      <p:bold r:id="rId41"/>
     </p:embeddedFont>
     <p:embeddedFont>
       <p:font typeface="Source Sans Pro" panose="020B0503030403020204" pitchFamily="34" charset="0"/>
-      <p:regular r:id="rId39"/>
-      <p:bold r:id="rId40"/>
-      <p:italic r:id="rId41"/>
-      <p:boldItalic r:id="rId42"/>
+      <p:regular r:id="rId42"/>
+      <p:bold r:id="rId43"/>
+      <p:italic r:id="rId44"/>
+      <p:boldItalic r:id="rId45"/>
     </p:embeddedFont>
   </p:embeddedFontLst>
   <p:defaultTextStyle>
@@ -294,6 +297,11 @@
         <p15:guide id="1" pos="5311">
           <p15:clr>
             <a:srgbClr val="EA4335"/>
+          </p15:clr>
+        </p15:guide>
+        <p15:guide id="2" orient="horz" pos="1620">
+          <p15:clr>
+            <a:srgbClr val="A4A3A4"/>
           </p15:clr>
         </p15:guide>
       </p15:sldGuideLst>
@@ -2686,6 +2694,224 @@
     <p:extLst>
       <p:ext uri="{BB962C8B-B14F-4D97-AF65-F5344CB8AC3E}">
         <p14:creationId xmlns:p14="http://schemas.microsoft.com/office/powerpoint/2010/main" val="3806865107"/>
+      </p:ext>
+    </p:extLst>
+  </p:cSld>
+  <p:clrMapOvr>
+    <a:masterClrMapping/>
+  </p:clrMapOvr>
+</p:notes>
+</file>
+
+<file path=ppt/notesSlides/notesSlide26.xml><?xml version="1.0" encoding="utf-8"?>
+<p:notes xmlns:a="http://schemas.openxmlformats.org/drawingml/2006/main" xmlns:r="http://schemas.openxmlformats.org/officeDocument/2006/relationships" xmlns:p="http://schemas.openxmlformats.org/presentationml/2006/main" showMasterSp="0" showMasterPhAnim="0">
+  <p:cSld>
+    <p:spTree>
+      <p:nvGrpSpPr>
+        <p:cNvPr id="1" name="Shape 2645"/>
+        <p:cNvGrpSpPr/>
+        <p:nvPr/>
+      </p:nvGrpSpPr>
+      <p:grpSpPr>
+        <a:xfrm>
+          <a:off x="0" y="0"/>
+          <a:ext cx="0" cy="0"/>
+          <a:chOff x="0" y="0"/>
+          <a:chExt cx="0" cy="0"/>
+        </a:xfrm>
+      </p:grpSpPr>
+      <p:sp>
+        <p:nvSpPr>
+          <p:cNvPr id="2646" name="Google Shape;2646;gfd291ba3e9_0_53:notes"/>
+          <p:cNvSpPr>
+            <a:spLocks noGrp="1" noRot="1" noChangeAspect="1"/>
+          </p:cNvSpPr>
+          <p:nvPr>
+            <p:ph type="sldImg" idx="2"/>
+          </p:nvPr>
+        </p:nvSpPr>
+        <p:spPr>
+          <a:xfrm>
+            <a:off x="381000" y="685800"/>
+            <a:ext cx="6096000" cy="3429000"/>
+          </a:xfrm>
+          <a:custGeom>
+            <a:avLst/>
+            <a:gdLst/>
+            <a:ahLst/>
+            <a:cxnLst/>
+            <a:rect l="l" t="t" r="r" b="b"/>
+            <a:pathLst>
+              <a:path w="120000" h="120000" extrusionOk="0">
+                <a:moveTo>
+                  <a:pt x="0" y="0"/>
+                </a:moveTo>
+                <a:lnTo>
+                  <a:pt x="120000" y="0"/>
+                </a:lnTo>
+                <a:lnTo>
+                  <a:pt x="120000" y="120000"/>
+                </a:lnTo>
+                <a:lnTo>
+                  <a:pt x="0" y="120000"/>
+                </a:lnTo>
+                <a:close/>
+              </a:path>
+            </a:pathLst>
+          </a:custGeom>
+        </p:spPr>
+      </p:sp>
+      <p:sp>
+        <p:nvSpPr>
+          <p:cNvPr id="2647" name="Google Shape;2647;gfd291ba3e9_0_53:notes"/>
+          <p:cNvSpPr txBox="1">
+            <a:spLocks noGrp="1"/>
+          </p:cNvSpPr>
+          <p:nvPr>
+            <p:ph type="body" idx="1"/>
+          </p:nvPr>
+        </p:nvSpPr>
+        <p:spPr>
+          <a:xfrm>
+            <a:off x="685800" y="4343400"/>
+            <a:ext cx="5486400" cy="4114800"/>
+          </a:xfrm>
+          <a:prstGeom prst="rect">
+            <a:avLst/>
+          </a:prstGeom>
+        </p:spPr>
+        <p:txBody>
+          <a:bodyPr spcFirstLastPara="1" wrap="square" lIns="91425" tIns="91425" rIns="91425" bIns="91425" anchor="t" anchorCtr="0">
+            <a:noAutofit/>
+          </a:bodyPr>
+          <a:lstStyle/>
+          <a:p>
+            <a:pPr marL="0" lvl="0" indent="0" algn="l" rtl="0">
+              <a:spcBef>
+                <a:spcPts val="0"/>
+              </a:spcBef>
+              <a:spcAft>
+                <a:spcPts val="0"/>
+              </a:spcAft>
+              <a:buNone/>
+            </a:pPr>
+            <a:endParaRPr/>
+          </a:p>
+        </p:txBody>
+      </p:sp>
+    </p:spTree>
+    <p:extLst>
+      <p:ext uri="{BB962C8B-B14F-4D97-AF65-F5344CB8AC3E}">
+        <p14:creationId xmlns:p14="http://schemas.microsoft.com/office/powerpoint/2010/main" val="700101150"/>
+      </p:ext>
+    </p:extLst>
+  </p:cSld>
+  <p:clrMapOvr>
+    <a:masterClrMapping/>
+  </p:clrMapOvr>
+</p:notes>
+</file>
+
+<file path=ppt/notesSlides/notesSlide27.xml><?xml version="1.0" encoding="utf-8"?>
+<p:notes xmlns:a="http://schemas.openxmlformats.org/drawingml/2006/main" xmlns:r="http://schemas.openxmlformats.org/officeDocument/2006/relationships" xmlns:p="http://schemas.openxmlformats.org/presentationml/2006/main" showMasterSp="0" showMasterPhAnim="0">
+  <p:cSld>
+    <p:spTree>
+      <p:nvGrpSpPr>
+        <p:cNvPr id="1" name="Shape 2645"/>
+        <p:cNvGrpSpPr/>
+        <p:nvPr/>
+      </p:nvGrpSpPr>
+      <p:grpSpPr>
+        <a:xfrm>
+          <a:off x="0" y="0"/>
+          <a:ext cx="0" cy="0"/>
+          <a:chOff x="0" y="0"/>
+          <a:chExt cx="0" cy="0"/>
+        </a:xfrm>
+      </p:grpSpPr>
+      <p:sp>
+        <p:nvSpPr>
+          <p:cNvPr id="2646" name="Google Shape;2646;gfd291ba3e9_0_53:notes"/>
+          <p:cNvSpPr>
+            <a:spLocks noGrp="1" noRot="1" noChangeAspect="1"/>
+          </p:cNvSpPr>
+          <p:nvPr>
+            <p:ph type="sldImg" idx="2"/>
+          </p:nvPr>
+        </p:nvSpPr>
+        <p:spPr>
+          <a:xfrm>
+            <a:off x="381000" y="685800"/>
+            <a:ext cx="6096000" cy="3429000"/>
+          </a:xfrm>
+          <a:custGeom>
+            <a:avLst/>
+            <a:gdLst/>
+            <a:ahLst/>
+            <a:cxnLst/>
+            <a:rect l="l" t="t" r="r" b="b"/>
+            <a:pathLst>
+              <a:path w="120000" h="120000" extrusionOk="0">
+                <a:moveTo>
+                  <a:pt x="0" y="0"/>
+                </a:moveTo>
+                <a:lnTo>
+                  <a:pt x="120000" y="0"/>
+                </a:lnTo>
+                <a:lnTo>
+                  <a:pt x="120000" y="120000"/>
+                </a:lnTo>
+                <a:lnTo>
+                  <a:pt x="0" y="120000"/>
+                </a:lnTo>
+                <a:close/>
+              </a:path>
+            </a:pathLst>
+          </a:custGeom>
+        </p:spPr>
+      </p:sp>
+      <p:sp>
+        <p:nvSpPr>
+          <p:cNvPr id="2647" name="Google Shape;2647;gfd291ba3e9_0_53:notes"/>
+          <p:cNvSpPr txBox="1">
+            <a:spLocks noGrp="1"/>
+          </p:cNvSpPr>
+          <p:nvPr>
+            <p:ph type="body" idx="1"/>
+          </p:nvPr>
+        </p:nvSpPr>
+        <p:spPr>
+          <a:xfrm>
+            <a:off x="685800" y="4343400"/>
+            <a:ext cx="5486400" cy="4114800"/>
+          </a:xfrm>
+          <a:prstGeom prst="rect">
+            <a:avLst/>
+          </a:prstGeom>
+        </p:spPr>
+        <p:txBody>
+          <a:bodyPr spcFirstLastPara="1" wrap="square" lIns="91425" tIns="91425" rIns="91425" bIns="91425" anchor="t" anchorCtr="0">
+            <a:noAutofit/>
+          </a:bodyPr>
+          <a:lstStyle/>
+          <a:p>
+            <a:pPr marL="0" lvl="0" indent="0" algn="l" rtl="0">
+              <a:spcBef>
+                <a:spcPts val="0"/>
+              </a:spcBef>
+              <a:spcAft>
+                <a:spcPts val="0"/>
+              </a:spcAft>
+              <a:buNone/>
+            </a:pPr>
+            <a:endParaRPr/>
+          </a:p>
+        </p:txBody>
+      </p:sp>
+    </p:spTree>
+    <p:extLst>
+      <p:ext uri="{BB962C8B-B14F-4D97-AF65-F5344CB8AC3E}">
+        <p14:creationId xmlns:p14="http://schemas.microsoft.com/office/powerpoint/2010/main" val="912808594"/>
       </p:ext>
     </p:extLst>
   </p:cSld>
@@ -45970,6 +46196,682 @@
 </p:sld>
 </file>
 
+<file path=ppt/slides/slide35.xml><?xml version="1.0" encoding="utf-8"?>
+<p:sld xmlns:a="http://schemas.openxmlformats.org/drawingml/2006/main" xmlns:r="http://schemas.openxmlformats.org/officeDocument/2006/relationships" xmlns:p="http://schemas.openxmlformats.org/presentationml/2006/main">
+  <p:cSld>
+    <p:spTree>
+      <p:nvGrpSpPr>
+        <p:cNvPr id="1" name="Shape 2648"/>
+        <p:cNvGrpSpPr/>
+        <p:nvPr/>
+      </p:nvGrpSpPr>
+      <p:grpSpPr>
+        <a:xfrm>
+          <a:off x="0" y="0"/>
+          <a:ext cx="0" cy="0"/>
+          <a:chOff x="0" y="0"/>
+          <a:chExt cx="0" cy="0"/>
+        </a:xfrm>
+      </p:grpSpPr>
+      <p:sp>
+        <p:nvSpPr>
+          <p:cNvPr id="2649" name="Google Shape;2649;p41"/>
+          <p:cNvSpPr txBox="1">
+            <a:spLocks noGrp="1"/>
+          </p:cNvSpPr>
+          <p:nvPr>
+            <p:ph type="title"/>
+          </p:nvPr>
+        </p:nvSpPr>
+        <p:spPr>
+          <a:xfrm>
+            <a:off x="713225" y="2332650"/>
+            <a:ext cx="7717500" cy="478200"/>
+          </a:xfrm>
+          <a:prstGeom prst="rect">
+            <a:avLst/>
+          </a:prstGeom>
+        </p:spPr>
+        <p:txBody>
+          <a:bodyPr spcFirstLastPara="1" wrap="square" lIns="91425" tIns="91425" rIns="91425" bIns="91425" anchor="ctr" anchorCtr="0">
+            <a:noAutofit/>
+          </a:bodyPr>
+          <a:lstStyle/>
+          <a:p>
+            <a:pPr marL="0" lvl="0" indent="0" rtl="0">
+              <a:spcBef>
+                <a:spcPts val="0"/>
+              </a:spcBef>
+              <a:spcAft>
+                <a:spcPts val="0"/>
+              </a:spcAft>
+              <a:buNone/>
+            </a:pPr>
+            <a:r>
+              <a:rPr lang="ko-KR" altLang="en-US" dirty="0">
+                <a:solidFill>
+                  <a:srgbClr val="00E9FF"/>
+                </a:solidFill>
+                <a:effectLst>
+                  <a:glow rad="63500">
+                    <a:schemeClr val="accent1">
+                      <a:satMod val="175000"/>
+                      <a:alpha val="40000"/>
+                    </a:schemeClr>
+                  </a:glow>
+                </a:effectLst>
+              </a:rPr>
+              <a:t>모든 프로그램에는 </a:t>
+            </a:r>
+            <a:r>
+              <a:rPr lang="en-US" altLang="ko-KR" dirty="0">
+                <a:solidFill>
+                  <a:srgbClr val="00E9FF"/>
+                </a:solidFill>
+                <a:effectLst>
+                  <a:glow rad="63500">
+                    <a:schemeClr val="accent1">
+                      <a:satMod val="175000"/>
+                      <a:alpha val="40000"/>
+                    </a:schemeClr>
+                  </a:glow>
+                </a:effectLst>
+              </a:rPr>
+              <a:t>if</a:t>
+            </a:r>
+            <a:r>
+              <a:rPr lang="ko-KR" altLang="en-US" dirty="0">
+                <a:solidFill>
+                  <a:srgbClr val="00E9FF"/>
+                </a:solidFill>
+                <a:effectLst>
+                  <a:glow rad="63500">
+                    <a:schemeClr val="accent1">
+                      <a:satMod val="175000"/>
+                      <a:alpha val="40000"/>
+                    </a:schemeClr>
+                  </a:glow>
+                </a:effectLst>
+              </a:rPr>
+              <a:t>가 들어간다</a:t>
+            </a:r>
+            <a:endParaRPr dirty="0">
+              <a:solidFill>
+                <a:srgbClr val="00E9FF"/>
+              </a:solidFill>
+              <a:effectLst>
+                <a:glow rad="63500">
+                  <a:schemeClr val="accent1">
+                    <a:satMod val="175000"/>
+                    <a:alpha val="40000"/>
+                  </a:schemeClr>
+                </a:glow>
+              </a:effectLst>
+            </a:endParaRPr>
+          </a:p>
+        </p:txBody>
+      </p:sp>
+    </p:spTree>
+    <p:extLst>
+      <p:ext uri="{BB962C8B-B14F-4D97-AF65-F5344CB8AC3E}">
+        <p14:creationId xmlns:p14="http://schemas.microsoft.com/office/powerpoint/2010/main" val="3016413844"/>
+      </p:ext>
+    </p:extLst>
+  </p:cSld>
+  <p:clrMapOvr>
+    <a:masterClrMapping/>
+  </p:clrMapOvr>
+</p:sld>
+</file>
+
+<file path=ppt/slides/slide36.xml><?xml version="1.0" encoding="utf-8"?>
+<p:sld xmlns:a="http://schemas.openxmlformats.org/drawingml/2006/main" xmlns:r="http://schemas.openxmlformats.org/officeDocument/2006/relationships" xmlns:p="http://schemas.openxmlformats.org/presentationml/2006/main">
+  <p:cSld>
+    <p:spTree>
+      <p:nvGrpSpPr>
+        <p:cNvPr id="1" name=""/>
+        <p:cNvGrpSpPr/>
+        <p:nvPr/>
+      </p:nvGrpSpPr>
+      <p:grpSpPr>
+        <a:xfrm>
+          <a:off x="0" y="0"/>
+          <a:ext cx="0" cy="0"/>
+          <a:chOff x="0" y="0"/>
+          <a:chExt cx="0" cy="0"/>
+        </a:xfrm>
+      </p:grpSpPr>
+      <p:sp>
+        <p:nvSpPr>
+          <p:cNvPr id="2" name="제목 1">
+            <a:extLst>
+              <a:ext uri="{FF2B5EF4-FFF2-40B4-BE49-F238E27FC236}">
+                <a16:creationId xmlns:a16="http://schemas.microsoft.com/office/drawing/2014/main" id="{FB71BDF2-6B1D-FD2A-91C1-1B9EF1750A2E}"/>
+              </a:ext>
+            </a:extLst>
+          </p:cNvPr>
+          <p:cNvSpPr>
+            <a:spLocks noGrp="1"/>
+          </p:cNvSpPr>
+          <p:nvPr>
+            <p:ph type="title"/>
+          </p:nvPr>
+        </p:nvSpPr>
+        <p:spPr/>
+        <p:txBody>
+          <a:bodyPr/>
+          <a:lstStyle/>
+          <a:p>
+            <a:endParaRPr lang="ko-KR" altLang="en-US"/>
+          </a:p>
+        </p:txBody>
+      </p:sp>
+      <p:sp>
+        <p:nvSpPr>
+          <p:cNvPr id="3" name="텍스트 개체 틀 2">
+            <a:extLst>
+              <a:ext uri="{FF2B5EF4-FFF2-40B4-BE49-F238E27FC236}">
+                <a16:creationId xmlns:a16="http://schemas.microsoft.com/office/drawing/2014/main" id="{C50484B0-DB04-BA4C-E95F-113941D50DEA}"/>
+              </a:ext>
+            </a:extLst>
+          </p:cNvPr>
+          <p:cNvSpPr>
+            <a:spLocks noGrp="1"/>
+          </p:cNvSpPr>
+          <p:nvPr>
+            <p:ph type="body" idx="1"/>
+          </p:nvPr>
+        </p:nvSpPr>
+        <p:spPr/>
+        <p:txBody>
+          <a:bodyPr/>
+          <a:lstStyle/>
+          <a:p>
+            <a:endParaRPr lang="ko-KR" altLang="en-US"/>
+          </a:p>
+        </p:txBody>
+      </p:sp>
+      <p:pic>
+        <p:nvPicPr>
+          <p:cNvPr id="6" name="그림 5">
+            <a:extLst>
+              <a:ext uri="{FF2B5EF4-FFF2-40B4-BE49-F238E27FC236}">
+                <a16:creationId xmlns:a16="http://schemas.microsoft.com/office/drawing/2014/main" id="{D8200BA2-DEF0-EA9E-CEEF-3763ED91F596}"/>
+              </a:ext>
+            </a:extLst>
+          </p:cNvPr>
+          <p:cNvPicPr>
+            <a:picLocks noChangeAspect="1"/>
+          </p:cNvPicPr>
+          <p:nvPr/>
+        </p:nvPicPr>
+        <p:blipFill>
+          <a:blip r:embed="rId2">
+            <a:extLst>
+              <a:ext uri="{BEBA8EAE-BF5A-486C-A8C5-ECC9F3942E4B}">
+                <a14:imgProps xmlns:a14="http://schemas.microsoft.com/office/drawing/2010/main">
+                  <a14:imgLayer r:embed="rId3">
+                    <a14:imgEffect>
+                      <a14:backgroundRemoval t="10000" b="90000" l="10000" r="90000"/>
+                    </a14:imgEffect>
+                  </a14:imgLayer>
+                </a14:imgProps>
+              </a:ext>
+            </a:extLst>
+          </a:blip>
+          <a:stretch>
+            <a:fillRect/>
+          </a:stretch>
+        </p:blipFill>
+        <p:spPr>
+          <a:xfrm>
+            <a:off x="713225" y="2081692"/>
+            <a:ext cx="2677328" cy="2018968"/>
+          </a:xfrm>
+          <a:prstGeom prst="rect">
+            <a:avLst/>
+          </a:prstGeom>
+        </p:spPr>
+      </p:pic>
+      <p:pic>
+        <p:nvPicPr>
+          <p:cNvPr id="9" name="그림 8">
+            <a:extLst>
+              <a:ext uri="{FF2B5EF4-FFF2-40B4-BE49-F238E27FC236}">
+                <a16:creationId xmlns:a16="http://schemas.microsoft.com/office/drawing/2014/main" id="{70F9D42B-1750-AE67-1C74-1F470284AF62}"/>
+              </a:ext>
+            </a:extLst>
+          </p:cNvPr>
+          <p:cNvPicPr>
+            <a:picLocks noChangeAspect="1"/>
+          </p:cNvPicPr>
+          <p:nvPr/>
+        </p:nvPicPr>
+        <p:blipFill>
+          <a:blip r:embed="rId4">
+            <a:extLst>
+              <a:ext uri="{BEBA8EAE-BF5A-486C-A8C5-ECC9F3942E4B}">
+                <a14:imgProps xmlns:a14="http://schemas.microsoft.com/office/drawing/2010/main">
+                  <a14:imgLayer r:embed="rId5">
+                    <a14:imgEffect>
+                      <a14:backgroundRemoval t="5422" b="94177" l="9879" r="95321">
+                        <a14:foregroundMark x1="35009" y1="6024" x2="36915" y2="18273"/>
+                        <a14:foregroundMark x1="30849" y1="91365" x2="34835" y2="88956"/>
+                        <a14:foregroundMark x1="32236" y1="94177" x2="32236" y2="94177"/>
+                        <a14:foregroundMark x1="72097" y1="91968" x2="72097" y2="91968"/>
+                        <a14:foregroundMark x1="94974" y1="62048" x2="94974" y2="62048"/>
+                        <a14:foregroundMark x1="95321" y1="45984" x2="95321" y2="45984"/>
+                        <a14:foregroundMark x1="83189" y1="35141" x2="83189" y2="35141"/>
+                        <a14:foregroundMark x1="82496" y1="34538" x2="82496" y2="34538"/>
+                        <a14:backgroundMark x1="41768" y1="20482" x2="41768" y2="20482"/>
+                        <a14:backgroundMark x1="45407" y1="20281" x2="45407" y2="20281"/>
+                      </a14:backgroundRemoval>
+                    </a14:imgEffect>
+                  </a14:imgLayer>
+                </a14:imgProps>
+              </a:ext>
+            </a:extLst>
+          </a:blip>
+          <a:stretch>
+            <a:fillRect/>
+          </a:stretch>
+        </p:blipFill>
+        <p:spPr>
+          <a:xfrm flipH="1">
+            <a:off x="4948640" y="1286935"/>
+            <a:ext cx="3554338" cy="3067696"/>
+          </a:xfrm>
+          <a:prstGeom prst="rect">
+            <a:avLst/>
+          </a:prstGeom>
+        </p:spPr>
+      </p:pic>
+      <p:sp>
+        <p:nvSpPr>
+          <p:cNvPr id="10" name="타원 9">
+            <a:extLst>
+              <a:ext uri="{FF2B5EF4-FFF2-40B4-BE49-F238E27FC236}">
+                <a16:creationId xmlns:a16="http://schemas.microsoft.com/office/drawing/2014/main" id="{D885B3FC-9326-6DD2-F66D-7AA6ADE77B56}"/>
+              </a:ext>
+            </a:extLst>
+          </p:cNvPr>
+          <p:cNvSpPr/>
+          <p:nvPr/>
+        </p:nvSpPr>
+        <p:spPr>
+          <a:xfrm>
+            <a:off x="2790334" y="2571750"/>
+            <a:ext cx="476054" cy="463681"/>
+          </a:xfrm>
+          <a:prstGeom prst="ellipse">
+            <a:avLst/>
+          </a:prstGeom>
+        </p:spPr>
+        <p:style>
+          <a:lnRef idx="2">
+            <a:schemeClr val="accent1">
+              <a:shade val="15000"/>
+            </a:schemeClr>
+          </a:lnRef>
+          <a:fillRef idx="1">
+            <a:schemeClr val="accent1"/>
+          </a:fillRef>
+          <a:effectRef idx="0">
+            <a:schemeClr val="accent1"/>
+          </a:effectRef>
+          <a:fontRef idx="minor">
+            <a:schemeClr val="lt1"/>
+          </a:fontRef>
+        </p:style>
+        <p:txBody>
+          <a:bodyPr rtlCol="0" anchor="ctr"/>
+          <a:lstStyle/>
+          <a:p>
+            <a:pPr algn="ctr"/>
+            <a:endParaRPr lang="ko-KR" altLang="en-US"/>
+          </a:p>
+        </p:txBody>
+      </p:sp>
+      <p:sp>
+        <p:nvSpPr>
+          <p:cNvPr id="11" name="TextBox 10">
+            <a:extLst>
+              <a:ext uri="{FF2B5EF4-FFF2-40B4-BE49-F238E27FC236}">
+                <a16:creationId xmlns:a16="http://schemas.microsoft.com/office/drawing/2014/main" id="{F0595839-4F2F-ABAC-DAED-E37116027610}"/>
+              </a:ext>
+            </a:extLst>
+          </p:cNvPr>
+          <p:cNvSpPr txBox="1"/>
+          <p:nvPr/>
+        </p:nvSpPr>
+        <p:spPr>
+          <a:xfrm>
+            <a:off x="6336810" y="1148751"/>
+            <a:ext cx="777998" cy="646331"/>
+          </a:xfrm>
+          <a:prstGeom prst="rect">
+            <a:avLst/>
+          </a:prstGeom>
+          <a:noFill/>
+        </p:spPr>
+        <p:txBody>
+          <a:bodyPr wrap="square" rtlCol="0">
+            <a:spAutoFit/>
+          </a:bodyPr>
+          <a:lstStyle/>
+          <a:p>
+            <a:r>
+              <a:rPr lang="en-US" altLang="ko-KR" sz="3600" b="1" dirty="0">
+                <a:solidFill>
+                  <a:srgbClr val="FF0000"/>
+                </a:solidFill>
+              </a:rPr>
+              <a:t>13</a:t>
+            </a:r>
+            <a:endParaRPr lang="ko-KR" altLang="en-US" sz="3600" b="1" dirty="0">
+              <a:solidFill>
+                <a:srgbClr val="FF0000"/>
+              </a:solidFill>
+            </a:endParaRPr>
+          </a:p>
+        </p:txBody>
+      </p:sp>
+    </p:spTree>
+    <p:extLst>
+      <p:ext uri="{BB962C8B-B14F-4D97-AF65-F5344CB8AC3E}">
+        <p14:creationId xmlns:p14="http://schemas.microsoft.com/office/powerpoint/2010/main" val="519167418"/>
+      </p:ext>
+    </p:extLst>
+  </p:cSld>
+  <p:clrMapOvr>
+    <a:masterClrMapping/>
+  </p:clrMapOvr>
+  <p:timing>
+    <p:tnLst>
+      <p:par>
+        <p:cTn id="1" dur="indefinite" restart="never" nodeType="tmRoot">
+          <p:childTnLst>
+            <p:seq concurrent="1" nextAc="seek">
+              <p:cTn id="2" dur="indefinite" nodeType="mainSeq">
+                <p:childTnLst>
+                  <p:par>
+                    <p:cTn id="3" fill="hold">
+                      <p:stCondLst>
+                        <p:cond delay="indefinite"/>
+                        <p:cond evt="onBegin" delay="0">
+                          <p:tn val="2"/>
+                        </p:cond>
+                      </p:stCondLst>
+                      <p:childTnLst>
+                        <p:par>
+                          <p:cTn id="4" fill="hold">
+                            <p:stCondLst>
+                              <p:cond delay="0"/>
+                            </p:stCondLst>
+                            <p:childTnLst>
+                              <p:par>
+                                <p:cTn id="5" presetID="1" presetClass="entr" presetSubtype="0" fill="hold" grpId="1" nodeType="withEffect">
+                                  <p:stCondLst>
+                                    <p:cond delay="0"/>
+                                  </p:stCondLst>
+                                  <p:childTnLst>
+                                    <p:set>
+                                      <p:cBhvr>
+                                        <p:cTn id="6" dur="1" fill="hold">
+                                          <p:stCondLst>
+                                            <p:cond delay="0"/>
+                                          </p:stCondLst>
+                                        </p:cTn>
+                                        <p:tgtEl>
+                                          <p:spTgt spid="10"/>
+                                        </p:tgtEl>
+                                        <p:attrNameLst>
+                                          <p:attrName>style.visibility</p:attrName>
+                                        </p:attrNameLst>
+                                      </p:cBhvr>
+                                      <p:to>
+                                        <p:strVal val="visible"/>
+                                      </p:to>
+                                    </p:set>
+                                  </p:childTnLst>
+                                </p:cTn>
+                              </p:par>
+                              <p:par>
+                                <p:cTn id="7" presetID="42" presetClass="path" presetSubtype="0" accel="50000" decel="50000" fill="hold" grpId="0" nodeType="withEffect">
+                                  <p:stCondLst>
+                                    <p:cond delay="0"/>
+                                  </p:stCondLst>
+                                  <p:childTnLst>
+                                    <p:animMotion origin="layout" path="M 5.55112E-17 -1.7284E-6 L 0.37188 -1.7284E-6 " pathEditMode="relative" rAng="0" ptsTypes="AA">
+                                      <p:cBhvr>
+                                        <p:cTn id="8" dur="2000" fill="hold"/>
+                                        <p:tgtEl>
+                                          <p:spTgt spid="10"/>
+                                        </p:tgtEl>
+                                        <p:attrNameLst>
+                                          <p:attrName>ppt_x</p:attrName>
+                                          <p:attrName>ppt_y</p:attrName>
+                                        </p:attrNameLst>
+                                      </p:cBhvr>
+                                      <p:rCtr x="18594" y="0"/>
+                                    </p:animMotion>
+                                  </p:childTnLst>
+                                </p:cTn>
+                              </p:par>
+                            </p:childTnLst>
+                          </p:cTn>
+                        </p:par>
+                        <p:par>
+                          <p:cTn id="9" fill="hold">
+                            <p:stCondLst>
+                              <p:cond delay="2000"/>
+                            </p:stCondLst>
+                            <p:childTnLst>
+                              <p:par>
+                                <p:cTn id="10" presetID="1" presetClass="exit" presetSubtype="0" fill="hold" grpId="2" nodeType="afterEffect">
+                                  <p:stCondLst>
+                                    <p:cond delay="0"/>
+                                  </p:stCondLst>
+                                  <p:childTnLst>
+                                    <p:set>
+                                      <p:cBhvr>
+                                        <p:cTn id="11" dur="1" fill="hold">
+                                          <p:stCondLst>
+                                            <p:cond delay="0"/>
+                                          </p:stCondLst>
+                                        </p:cTn>
+                                        <p:tgtEl>
+                                          <p:spTgt spid="10"/>
+                                        </p:tgtEl>
+                                        <p:attrNameLst>
+                                          <p:attrName>style.visibility</p:attrName>
+                                        </p:attrNameLst>
+                                      </p:cBhvr>
+                                      <p:to>
+                                        <p:strVal val="hidden"/>
+                                      </p:to>
+                                    </p:set>
+                                  </p:childTnLst>
+                                </p:cTn>
+                              </p:par>
+                            </p:childTnLst>
+                          </p:cTn>
+                        </p:par>
+                      </p:childTnLst>
+                    </p:cTn>
+                  </p:par>
+                  <p:par>
+                    <p:cTn id="12" fill="hold">
+                      <p:stCondLst>
+                        <p:cond delay="indefinite"/>
+                      </p:stCondLst>
+                      <p:childTnLst>
+                        <p:par>
+                          <p:cTn id="13" fill="hold">
+                            <p:stCondLst>
+                              <p:cond delay="0"/>
+                            </p:stCondLst>
+                            <p:childTnLst>
+                              <p:par>
+                                <p:cTn id="14" presetID="1" presetClass="entr" presetSubtype="0" fill="hold" grpId="0" nodeType="clickEffect">
+                                  <p:stCondLst>
+                                    <p:cond delay="0"/>
+                                  </p:stCondLst>
+                                  <p:childTnLst>
+                                    <p:set>
+                                      <p:cBhvr>
+                                        <p:cTn id="15" dur="1" fill="hold">
+                                          <p:stCondLst>
+                                            <p:cond delay="0"/>
+                                          </p:stCondLst>
+                                        </p:cTn>
+                                        <p:tgtEl>
+                                          <p:spTgt spid="11"/>
+                                        </p:tgtEl>
+                                        <p:attrNameLst>
+                                          <p:attrName>style.visibility</p:attrName>
+                                        </p:attrNameLst>
+                                      </p:cBhvr>
+                                      <p:to>
+                                        <p:strVal val="visible"/>
+                                      </p:to>
+                                    </p:set>
+                                  </p:childTnLst>
+                                </p:cTn>
+                              </p:par>
+                              <p:par>
+                                <p:cTn id="16" presetID="10" presetClass="exit" presetSubtype="0" fill="hold" grpId="2" nodeType="withEffect">
+                                  <p:stCondLst>
+                                    <p:cond delay="0"/>
+                                  </p:stCondLst>
+                                  <p:childTnLst>
+                                    <p:animEffect transition="out" filter="fade">
+                                      <p:cBhvr>
+                                        <p:cTn id="17" dur="500"/>
+                                        <p:tgtEl>
+                                          <p:spTgt spid="11"/>
+                                        </p:tgtEl>
+                                      </p:cBhvr>
+                                    </p:animEffect>
+                                    <p:set>
+                                      <p:cBhvr>
+                                        <p:cTn id="18" dur="1" fill="hold">
+                                          <p:stCondLst>
+                                            <p:cond delay="499"/>
+                                          </p:stCondLst>
+                                        </p:cTn>
+                                        <p:tgtEl>
+                                          <p:spTgt spid="11"/>
+                                        </p:tgtEl>
+                                        <p:attrNameLst>
+                                          <p:attrName>style.visibility</p:attrName>
+                                        </p:attrNameLst>
+                                      </p:cBhvr>
+                                      <p:to>
+                                        <p:strVal val="hidden"/>
+                                      </p:to>
+                                    </p:set>
+                                  </p:childTnLst>
+                                </p:cTn>
+                              </p:par>
+                            </p:childTnLst>
+                          </p:cTn>
+                        </p:par>
+                      </p:childTnLst>
+                    </p:cTn>
+                  </p:par>
+                </p:childTnLst>
+              </p:cTn>
+              <p:prevCondLst>
+                <p:cond evt="onPrev" delay="0">
+                  <p:tgtEl>
+                    <p:sldTgt/>
+                  </p:tgtEl>
+                </p:cond>
+              </p:prevCondLst>
+              <p:nextCondLst>
+                <p:cond evt="onNext" delay="0">
+                  <p:tgtEl>
+                    <p:sldTgt/>
+                  </p:tgtEl>
+                </p:cond>
+              </p:nextCondLst>
+            </p:seq>
+          </p:childTnLst>
+        </p:cTn>
+      </p:par>
+    </p:tnLst>
+    <p:bldLst>
+      <p:bldP spid="10" grpId="0" animBg="1"/>
+      <p:bldP spid="10" grpId="1" animBg="1"/>
+      <p:bldP spid="10" grpId="2" animBg="1"/>
+      <p:bldP spid="11" grpId="0"/>
+      <p:bldP spid="11" grpId="2"/>
+    </p:bldLst>
+  </p:timing>
+</p:sld>
+</file>
+
+<file path=ppt/slides/slide37.xml><?xml version="1.0" encoding="utf-8"?>
+<p:sld xmlns:a="http://schemas.openxmlformats.org/drawingml/2006/main" xmlns:r="http://schemas.openxmlformats.org/officeDocument/2006/relationships" xmlns:p="http://schemas.openxmlformats.org/presentationml/2006/main">
+  <p:cSld>
+    <p:spTree>
+      <p:nvGrpSpPr>
+        <p:cNvPr id="1" name="Shape 2648"/>
+        <p:cNvGrpSpPr/>
+        <p:nvPr/>
+      </p:nvGrpSpPr>
+      <p:grpSpPr>
+        <a:xfrm>
+          <a:off x="0" y="0"/>
+          <a:ext cx="0" cy="0"/>
+          <a:chOff x="0" y="0"/>
+          <a:chExt cx="0" cy="0"/>
+        </a:xfrm>
+      </p:grpSpPr>
+      <p:pic>
+        <p:nvPicPr>
+          <p:cNvPr id="5" name="그림 4" descr="텍스트, 스크린샷, 폰트, 라인이(가) 표시된 사진&#10;&#10;자동 생성된 설명">
+            <a:extLst>
+              <a:ext uri="{FF2B5EF4-FFF2-40B4-BE49-F238E27FC236}">
+                <a16:creationId xmlns:a16="http://schemas.microsoft.com/office/drawing/2014/main" id="{B2CA041F-BBA7-C132-ECE1-BAACD5C60AC0}"/>
+              </a:ext>
+            </a:extLst>
+          </p:cNvPr>
+          <p:cNvPicPr>
+            <a:picLocks noChangeAspect="1"/>
+          </p:cNvPicPr>
+          <p:nvPr/>
+        </p:nvPicPr>
+        <p:blipFill>
+          <a:blip r:embed="rId3"/>
+          <a:stretch>
+            <a:fillRect/>
+          </a:stretch>
+        </p:blipFill>
+        <p:spPr>
+          <a:xfrm>
+            <a:off x="2613863" y="694888"/>
+            <a:ext cx="3916223" cy="3753724"/>
+          </a:xfrm>
+          <a:prstGeom prst="rect">
+            <a:avLst/>
+          </a:prstGeom>
+        </p:spPr>
+      </p:pic>
+    </p:spTree>
+    <p:extLst>
+      <p:ext uri="{BB962C8B-B14F-4D97-AF65-F5344CB8AC3E}">
+        <p14:creationId xmlns:p14="http://schemas.microsoft.com/office/powerpoint/2010/main" val="375811761"/>
+      </p:ext>
+    </p:extLst>
+  </p:cSld>
+  <p:clrMapOvr>
+    <a:masterClrMapping/>
+  </p:clrMapOvr>
+</p:sld>
+</file>
+
 <file path=ppt/slides/slide4.xml><?xml version="1.0" encoding="utf-8"?>
 <p:sld xmlns:a="http://schemas.openxmlformats.org/drawingml/2006/main" xmlns:r="http://schemas.openxmlformats.org/officeDocument/2006/relationships" xmlns:p="http://schemas.openxmlformats.org/presentationml/2006/main">
   <p:cSld>
